--- a/Documents for Progress/Status_Angular_Distributions_Presentation_29May2019.pptx
+++ b/Documents for Progress/Status_Angular_Distributions_Presentation_29May2019.pptx
@@ -5,7 +5,7 @@
     <p:sldMasterId id="2147483875" r:id="rId1"/>
   </p:sldMasterIdLst>
   <p:notesMasterIdLst>
-    <p:notesMasterId r:id="rId15"/>
+    <p:notesMasterId r:id="rId17"/>
   </p:notesMasterIdLst>
   <p:sldIdLst>
     <p:sldId id="256" r:id="rId2"/>
@@ -17,10 +17,12 @@
     <p:sldId id="263" r:id="rId8"/>
     <p:sldId id="264" r:id="rId9"/>
     <p:sldId id="265" r:id="rId10"/>
-    <p:sldId id="266" r:id="rId11"/>
+    <p:sldId id="271" r:id="rId11"/>
     <p:sldId id="267" r:id="rId12"/>
     <p:sldId id="268" r:id="rId13"/>
     <p:sldId id="269" r:id="rId14"/>
+    <p:sldId id="272" r:id="rId15"/>
+    <p:sldId id="273" r:id="rId16"/>
   </p:sldIdLst>
   <p:sldSz cx="12192000" cy="6858000"/>
   <p:notesSz cx="6858000" cy="9144000"/>
@@ -209,7 +211,7 @@
           <a:p>
             <a:fld id="{E0F3FC76-411E-494E-BBF7-54618820D3D9}" type="datetimeFigureOut">
               <a:rPr lang="en-GB" smtClean="0"/>
-              <a:t>29/05/2019</a:t>
+              <a:t>04/06/2019</a:t>
             </a:fld>
             <a:endParaRPr lang="en-GB"/>
           </a:p>
@@ -635,7 +637,7 @@
     </p:spTree>
     <p:extLst>
       <p:ext uri="{BB962C8B-B14F-4D97-AF65-F5344CB8AC3E}">
-        <p14:creationId xmlns:p14="http://schemas.microsoft.com/office/powerpoint/2010/main" val="3594357156"/>
+        <p14:creationId xmlns:p14="http://schemas.microsoft.com/office/powerpoint/2010/main" val="3946058040"/>
       </p:ext>
     </p:extLst>
   </p:cSld>
@@ -888,6 +890,174 @@
     <p:extLst>
       <p:ext uri="{BB962C8B-B14F-4D97-AF65-F5344CB8AC3E}">
         <p14:creationId xmlns:p14="http://schemas.microsoft.com/office/powerpoint/2010/main" val="195183060"/>
+      </p:ext>
+    </p:extLst>
+  </p:cSld>
+  <p:clrMapOvr>
+    <a:masterClrMapping/>
+  </p:clrMapOvr>
+</p:notes>
+</file>
+
+<file path=ppt/notesSlides/notesSlide14.xml><?xml version="1.0" encoding="utf-8"?>
+<p:notes xmlns:a="http://schemas.openxmlformats.org/drawingml/2006/main" xmlns:r="http://schemas.openxmlformats.org/officeDocument/2006/relationships" xmlns:p="http://schemas.openxmlformats.org/presentationml/2006/main">
+  <p:cSld>
+    <p:spTree>
+      <p:nvGrpSpPr>
+        <p:cNvPr id="1" name=""/>
+        <p:cNvGrpSpPr/>
+        <p:nvPr/>
+      </p:nvGrpSpPr>
+      <p:grpSpPr>
+        <a:xfrm>
+          <a:off x="0" y="0"/>
+          <a:ext cx="0" cy="0"/>
+          <a:chOff x="0" y="0"/>
+          <a:chExt cx="0" cy="0"/>
+        </a:xfrm>
+      </p:grpSpPr>
+      <p:sp>
+        <p:nvSpPr>
+          <p:cNvPr id="2" name="Slide Image Placeholder 1"/>
+          <p:cNvSpPr>
+            <a:spLocks noGrp="1" noRot="1" noChangeAspect="1"/>
+          </p:cNvSpPr>
+          <p:nvPr>
+            <p:ph type="sldImg"/>
+          </p:nvPr>
+        </p:nvSpPr>
+        <p:spPr/>
+      </p:sp>
+      <p:sp>
+        <p:nvSpPr>
+          <p:cNvPr id="3" name="Notes Placeholder 2"/>
+          <p:cNvSpPr>
+            <a:spLocks noGrp="1"/>
+          </p:cNvSpPr>
+          <p:nvPr>
+            <p:ph type="body" idx="1"/>
+          </p:nvPr>
+        </p:nvSpPr>
+        <p:spPr/>
+        <p:txBody>
+          <a:bodyPr/>
+          <a:lstStyle/>
+          <a:p>
+            <a:endParaRPr lang="en-GB" dirty="0"/>
+          </a:p>
+        </p:txBody>
+      </p:sp>
+      <p:sp>
+        <p:nvSpPr>
+          <p:cNvPr id="4" name="Slide Number Placeholder 3"/>
+          <p:cNvSpPr>
+            <a:spLocks noGrp="1"/>
+          </p:cNvSpPr>
+          <p:nvPr>
+            <p:ph type="sldNum" sz="quarter" idx="10"/>
+          </p:nvPr>
+        </p:nvSpPr>
+        <p:spPr/>
+        <p:txBody>
+          <a:bodyPr/>
+          <a:lstStyle/>
+          <a:p>
+            <a:fld id="{DDE251E9-812E-4854-B6DD-3E1C329A13AA}" type="slidenum">
+              <a:rPr lang="en-GB" smtClean="0"/>
+              <a:t>14</a:t>
+            </a:fld>
+            <a:endParaRPr lang="en-GB"/>
+          </a:p>
+        </p:txBody>
+      </p:sp>
+    </p:spTree>
+    <p:extLst>
+      <p:ext uri="{BB962C8B-B14F-4D97-AF65-F5344CB8AC3E}">
+        <p14:creationId xmlns:p14="http://schemas.microsoft.com/office/powerpoint/2010/main" val="428171984"/>
+      </p:ext>
+    </p:extLst>
+  </p:cSld>
+  <p:clrMapOvr>
+    <a:masterClrMapping/>
+  </p:clrMapOvr>
+</p:notes>
+</file>
+
+<file path=ppt/notesSlides/notesSlide15.xml><?xml version="1.0" encoding="utf-8"?>
+<p:notes xmlns:a="http://schemas.openxmlformats.org/drawingml/2006/main" xmlns:r="http://schemas.openxmlformats.org/officeDocument/2006/relationships" xmlns:p="http://schemas.openxmlformats.org/presentationml/2006/main">
+  <p:cSld>
+    <p:spTree>
+      <p:nvGrpSpPr>
+        <p:cNvPr id="1" name=""/>
+        <p:cNvGrpSpPr/>
+        <p:nvPr/>
+      </p:nvGrpSpPr>
+      <p:grpSpPr>
+        <a:xfrm>
+          <a:off x="0" y="0"/>
+          <a:ext cx="0" cy="0"/>
+          <a:chOff x="0" y="0"/>
+          <a:chExt cx="0" cy="0"/>
+        </a:xfrm>
+      </p:grpSpPr>
+      <p:sp>
+        <p:nvSpPr>
+          <p:cNvPr id="2" name="Slide Image Placeholder 1"/>
+          <p:cNvSpPr>
+            <a:spLocks noGrp="1" noRot="1" noChangeAspect="1"/>
+          </p:cNvSpPr>
+          <p:nvPr>
+            <p:ph type="sldImg"/>
+          </p:nvPr>
+        </p:nvSpPr>
+        <p:spPr/>
+      </p:sp>
+      <p:sp>
+        <p:nvSpPr>
+          <p:cNvPr id="3" name="Notes Placeholder 2"/>
+          <p:cNvSpPr>
+            <a:spLocks noGrp="1"/>
+          </p:cNvSpPr>
+          <p:nvPr>
+            <p:ph type="body" idx="1"/>
+          </p:nvPr>
+        </p:nvSpPr>
+        <p:spPr/>
+        <p:txBody>
+          <a:bodyPr/>
+          <a:lstStyle/>
+          <a:p>
+            <a:endParaRPr lang="en-GB" dirty="0"/>
+          </a:p>
+        </p:txBody>
+      </p:sp>
+      <p:sp>
+        <p:nvSpPr>
+          <p:cNvPr id="4" name="Slide Number Placeholder 3"/>
+          <p:cNvSpPr>
+            <a:spLocks noGrp="1"/>
+          </p:cNvSpPr>
+          <p:nvPr>
+            <p:ph type="sldNum" sz="quarter" idx="10"/>
+          </p:nvPr>
+        </p:nvSpPr>
+        <p:spPr/>
+        <p:txBody>
+          <a:bodyPr/>
+          <a:lstStyle/>
+          <a:p>
+            <a:fld id="{DDE251E9-812E-4854-B6DD-3E1C329A13AA}" type="slidenum">
+              <a:rPr lang="en-GB" smtClean="0"/>
+              <a:t>15</a:t>
+            </a:fld>
+            <a:endParaRPr lang="en-GB"/>
+          </a:p>
+        </p:txBody>
+      </p:sp>
+    </p:spTree>
+    <p:extLst>
+      <p:ext uri="{BB962C8B-B14F-4D97-AF65-F5344CB8AC3E}">
+        <p14:creationId xmlns:p14="http://schemas.microsoft.com/office/powerpoint/2010/main" val="1299362424"/>
       </p:ext>
     </p:extLst>
   </p:cSld>
@@ -1795,7 +1965,7 @@
           <a:p>
             <a:fld id="{B93549DA-7207-4101-AC01-D8C7F0838AF9}" type="datetime3">
               <a:rPr lang="en-US" smtClean="0"/>
-              <a:t>29 May 2019</a:t>
+              <a:t>4 June 2019</a:t>
             </a:fld>
             <a:endParaRPr lang="en-US"/>
           </a:p>
@@ -2007,7 +2177,7 @@
           <a:p>
             <a:fld id="{6B3356D6-5AFA-4697-BF1B-5B11FC6D9C3F}" type="datetime3">
               <a:rPr lang="en-US" smtClean="0"/>
-              <a:t>29 May 2019</a:t>
+              <a:t>4 June 2019</a:t>
             </a:fld>
             <a:endParaRPr lang="en-US"/>
           </a:p>
@@ -2267,7 +2437,7 @@
           <a:p>
             <a:fld id="{39C458AD-A59C-4C0B-BF35-CC776F25ED60}" type="datetime3">
               <a:rPr lang="en-US" smtClean="0"/>
-              <a:t>29 May 2019</a:t>
+              <a:t>4 June 2019</a:t>
             </a:fld>
             <a:endParaRPr lang="en-US"/>
           </a:p>
@@ -2441,7 +2611,7 @@
           <a:p>
             <a:fld id="{13143EFC-DA6C-4B2A-A663-25194C68352E}" type="datetime3">
               <a:rPr lang="en-US" smtClean="0"/>
-              <a:t>29 May 2019</a:t>
+              <a:t>4 June 2019</a:t>
             </a:fld>
             <a:endParaRPr lang="en-US"/>
           </a:p>
@@ -2788,7 +2958,7 @@
           <a:p>
             <a:fld id="{10EBF91E-F74B-43D8-9A96-5E5AED4A0583}" type="datetime3">
               <a:rPr lang="en-US" smtClean="0"/>
-              <a:t>29 May 2019</a:t>
+              <a:t>4 June 2019</a:t>
             </a:fld>
             <a:endParaRPr lang="en-US"/>
           </a:p>
@@ -3067,7 +3237,7 @@
           <a:p>
             <a:fld id="{EF68B882-6789-4EFD-B927-92F14706BDF7}" type="datetime3">
               <a:rPr lang="en-US" smtClean="0"/>
-              <a:t>29 May 2019</a:t>
+              <a:t>4 June 2019</a:t>
             </a:fld>
             <a:endParaRPr lang="en-US"/>
           </a:p>
@@ -3450,7 +3620,7 @@
           <a:p>
             <a:fld id="{69FC1DD0-08B2-43B3-AEF0-BF606E1E934B}" type="datetime3">
               <a:rPr lang="en-US" smtClean="0"/>
-              <a:t>29 May 2019</a:t>
+              <a:t>4 June 2019</a:t>
             </a:fld>
             <a:endParaRPr lang="en-US"/>
           </a:p>
@@ -3572,7 +3742,7 @@
           <a:p>
             <a:fld id="{4C7E968B-DB77-4620-B607-92BCA7FAA7C4}" type="datetime3">
               <a:rPr lang="en-US" smtClean="0"/>
-              <a:t>29 May 2019</a:t>
+              <a:t>4 June 2019</a:t>
             </a:fld>
             <a:endParaRPr lang="en-US"/>
           </a:p>
@@ -3747,7 +3917,7 @@
           <a:p>
             <a:fld id="{136A9F13-2635-4BC3-9FB2-FA4EB28723A3}" type="datetime3">
               <a:rPr lang="en-US" smtClean="0"/>
-              <a:t>29 May 2019</a:t>
+              <a:t>4 June 2019</a:t>
             </a:fld>
             <a:endParaRPr lang="en-US"/>
           </a:p>
@@ -4105,7 +4275,7 @@
           <a:p>
             <a:fld id="{5A316585-6219-423D-B9A1-CA72626759B2}" type="datetime3">
               <a:rPr lang="en-US" smtClean="0"/>
-              <a:t>29 May 2019</a:t>
+              <a:t>4 June 2019</a:t>
             </a:fld>
             <a:endParaRPr lang="en-US"/>
           </a:p>
@@ -4486,7 +4656,7 @@
           <a:p>
             <a:fld id="{BFD9067D-9751-4010-B63A-2F1ED6E5E699}" type="datetime3">
               <a:rPr lang="en-US" smtClean="0"/>
-              <a:t>29 May 2019</a:t>
+              <a:t>4 June 2019</a:t>
             </a:fld>
             <a:endParaRPr lang="en-US"/>
           </a:p>
@@ -4777,7 +4947,7 @@
           <a:p>
             <a:fld id="{A24F5CAB-D6EB-4020-8ED6-55735DF143A1}" type="datetime3">
               <a:rPr lang="en-US" smtClean="0"/>
-              <a:t>29 May 2019</a:t>
+              <a:t>4 June 2019</a:t>
             </a:fld>
             <a:endParaRPr lang="en-US"/>
           </a:p>
@@ -5525,7 +5695,7 @@
           <a:p>
             <a:fld id="{482AA653-8872-4AEA-B19D-0BF0F1064A5A}" type="datetime3">
               <a:rPr lang="en-US" smtClean="0"/>
-              <a:t>29 May 2019</a:t>
+              <a:t>4 June 2019</a:t>
             </a:fld>
             <a:endParaRPr lang="en-US"/>
           </a:p>
@@ -5676,7 +5846,7 @@
     </p:spTree>
     <p:extLst>
       <p:ext uri="{BB962C8B-B14F-4D97-AF65-F5344CB8AC3E}">
-        <p14:creationId xmlns:p14="http://schemas.microsoft.com/office/powerpoint/2010/main" val="3241883449"/>
+        <p14:creationId xmlns:p14="http://schemas.microsoft.com/office/powerpoint/2010/main" val="3992996587"/>
       </p:ext>
     </p:extLst>
   </p:cSld>
@@ -5720,7 +5890,7 @@
           <a:p>
             <a:fld id="{482AA653-8872-4AEA-B19D-0BF0F1064A5A}" type="datetime3">
               <a:rPr lang="en-US" smtClean="0"/>
-              <a:t>29 May 2019</a:t>
+              <a:t>4 June 2019</a:t>
             </a:fld>
             <a:endParaRPr lang="en-US"/>
           </a:p>
@@ -5911,7 +6081,7 @@
           <a:p>
             <a:fld id="{482AA653-8872-4AEA-B19D-0BF0F1064A5A}" type="datetime3">
               <a:rPr lang="en-US" smtClean="0"/>
-              <a:t>29 May 2019</a:t>
+              <a:t>4 June 2019</a:t>
             </a:fld>
             <a:endParaRPr lang="en-US"/>
           </a:p>
@@ -6001,8 +6171,8 @@
           </a:p>
         </p:txBody>
       </p:sp>
-      <mc:AlternateContent xmlns:mc="http://schemas.openxmlformats.org/markup-compatibility/2006">
-        <mc:Choice xmlns:a14="http://schemas.microsoft.com/office/drawing/2010/main" Requires="a14">
+      <mc:AlternateContent xmlns:mc="http://schemas.openxmlformats.org/markup-compatibility/2006" xmlns:a14="http://schemas.microsoft.com/office/drawing/2010/main">
+        <mc:Choice Requires="a14">
           <p:sp>
             <p:nvSpPr>
               <p:cNvPr id="9" name="TextBox 8"/>
@@ -6246,7 +6416,7 @@
             </p:txBody>
           </p:sp>
         </mc:Choice>
-        <mc:Fallback>
+        <mc:Fallback xmlns="">
           <p:sp>
             <p:nvSpPr>
               <p:cNvPr id="9" name="TextBox 8"/>
@@ -6362,7 +6532,7 @@
           <a:p>
             <a:fld id="{482AA653-8872-4AEA-B19D-0BF0F1064A5A}" type="datetime3">
               <a:rPr lang="en-US" smtClean="0"/>
-              <a:t>29 May 2019</a:t>
+              <a:t>4 June 2019</a:t>
             </a:fld>
             <a:endParaRPr lang="en-US"/>
           </a:p>
@@ -6957,6 +7127,876 @@
     <p:extLst>
       <p:ext uri="{BB962C8B-B14F-4D97-AF65-F5344CB8AC3E}">
         <p14:creationId xmlns:p14="http://schemas.microsoft.com/office/powerpoint/2010/main" val="741620949"/>
+      </p:ext>
+    </p:extLst>
+  </p:cSld>
+  <p:clrMapOvr>
+    <a:masterClrMapping/>
+  </p:clrMapOvr>
+</p:sld>
+</file>
+
+<file path=ppt/slides/slide14.xml><?xml version="1.0" encoding="utf-8"?>
+<p:sld xmlns:a="http://schemas.openxmlformats.org/drawingml/2006/main" xmlns:r="http://schemas.openxmlformats.org/officeDocument/2006/relationships" xmlns:p="http://schemas.openxmlformats.org/presentationml/2006/main">
+  <p:cSld>
+    <p:spTree>
+      <p:nvGrpSpPr>
+        <p:cNvPr id="1" name=""/>
+        <p:cNvGrpSpPr/>
+        <p:nvPr/>
+      </p:nvGrpSpPr>
+      <p:grpSpPr>
+        <a:xfrm>
+          <a:off x="0" y="0"/>
+          <a:ext cx="0" cy="0"/>
+          <a:chOff x="0" y="0"/>
+          <a:chExt cx="0" cy="0"/>
+        </a:xfrm>
+      </p:grpSpPr>
+      <p:sp>
+        <p:nvSpPr>
+          <p:cNvPr id="2" name="Date Placeholder 1"/>
+          <p:cNvSpPr>
+            <a:spLocks noGrp="1"/>
+          </p:cNvSpPr>
+          <p:nvPr>
+            <p:ph type="dt" sz="half" idx="10"/>
+          </p:nvPr>
+        </p:nvSpPr>
+        <p:spPr/>
+        <p:txBody>
+          <a:bodyPr/>
+          <a:lstStyle/>
+          <a:p>
+            <a:fld id="{482AA653-8872-4AEA-B19D-0BF0F1064A5A}" type="datetime3">
+              <a:rPr lang="en-US" smtClean="0"/>
+              <a:t>4 June 2019</a:t>
+            </a:fld>
+            <a:endParaRPr lang="en-US"/>
+          </a:p>
+        </p:txBody>
+      </p:sp>
+      <p:sp>
+        <p:nvSpPr>
+          <p:cNvPr id="3" name="Footer Placeholder 2"/>
+          <p:cNvSpPr>
+            <a:spLocks noGrp="1"/>
+          </p:cNvSpPr>
+          <p:nvPr>
+            <p:ph type="ftr" sz="quarter" idx="11"/>
+          </p:nvPr>
+        </p:nvSpPr>
+        <p:spPr/>
+        <p:txBody>
+          <a:bodyPr/>
+          <a:lstStyle/>
+          <a:p>
+            <a:r>
+              <a:rPr lang="fi-FI"/>
+              <a:t>NTUA, G. Bakas</a:t>
+            </a:r>
+            <a:endParaRPr lang="en-US"/>
+          </a:p>
+        </p:txBody>
+      </p:sp>
+      <p:sp>
+        <p:nvSpPr>
+          <p:cNvPr id="6" name="Slide Number Placeholder 5"/>
+          <p:cNvSpPr>
+            <a:spLocks noGrp="1"/>
+          </p:cNvSpPr>
+          <p:nvPr>
+            <p:ph type="sldNum" sz="quarter" idx="12"/>
+          </p:nvPr>
+        </p:nvSpPr>
+        <p:spPr/>
+        <p:txBody>
+          <a:bodyPr/>
+          <a:lstStyle/>
+          <a:p>
+            <a:fld id="{AEEFAC8D-0A19-DC49-9F7A-4BFCAD95B105}" type="slidenum">
+              <a:rPr lang="en-US" smtClean="0"/>
+              <a:t>14</a:t>
+            </a:fld>
+            <a:endParaRPr lang="en-US"/>
+          </a:p>
+        </p:txBody>
+      </p:sp>
+      <p:sp>
+        <p:nvSpPr>
+          <p:cNvPr id="4" name="TextBox 3"/>
+          <p:cNvSpPr txBox="1"/>
+          <p:nvPr/>
+        </p:nvSpPr>
+        <p:spPr>
+          <a:xfrm>
+            <a:off x="326571" y="158620"/>
+            <a:ext cx="7791062" cy="369332"/>
+          </a:xfrm>
+          <a:prstGeom prst="rect">
+            <a:avLst/>
+          </a:prstGeom>
+          <a:noFill/>
+        </p:spPr>
+        <p:txBody>
+          <a:bodyPr wrap="square" rtlCol="0">
+            <a:spAutoFit/>
+          </a:bodyPr>
+          <a:lstStyle/>
+          <a:p>
+            <a:r>
+              <a:rPr lang="en-US" u="sng" dirty="0" smtClean="0"/>
+              <a:t>QCD Background MC closure tests</a:t>
+            </a:r>
+            <a:endParaRPr lang="en-GB" u="sng" dirty="0"/>
+          </a:p>
+        </p:txBody>
+      </p:sp>
+      <p:pic>
+        <p:nvPicPr>
+          <p:cNvPr id="5" name="Picture 4"/>
+          <p:cNvPicPr>
+            <a:picLocks noChangeAspect="1"/>
+          </p:cNvPicPr>
+          <p:nvPr/>
+        </p:nvPicPr>
+        <p:blipFill>
+          <a:blip r:embed="rId3">
+            <a:extLst>
+              <a:ext uri="{28A0092B-C50C-407E-A947-70E740481C1C}">
+                <a14:useLocalDpi xmlns:a14="http://schemas.microsoft.com/office/drawing/2010/main" val="0"/>
+              </a:ext>
+            </a:extLst>
+          </a:blip>
+          <a:stretch>
+            <a:fillRect/>
+          </a:stretch>
+        </p:blipFill>
+        <p:spPr>
+          <a:xfrm>
+            <a:off x="6335487" y="1297246"/>
+            <a:ext cx="5856514" cy="4776982"/>
+          </a:xfrm>
+          <a:prstGeom prst="rect">
+            <a:avLst/>
+          </a:prstGeom>
+        </p:spPr>
+      </p:pic>
+      <p:pic>
+        <p:nvPicPr>
+          <p:cNvPr id="9" name="Picture 8"/>
+          <p:cNvPicPr>
+            <a:picLocks noChangeAspect="1"/>
+          </p:cNvPicPr>
+          <p:nvPr/>
+        </p:nvPicPr>
+        <p:blipFill>
+          <a:blip r:embed="rId4">
+            <a:extLst>
+              <a:ext uri="{28A0092B-C50C-407E-A947-70E740481C1C}">
+                <a14:useLocalDpi xmlns:a14="http://schemas.microsoft.com/office/drawing/2010/main" val="0"/>
+              </a:ext>
+            </a:extLst>
+          </a:blip>
+          <a:stretch>
+            <a:fillRect/>
+          </a:stretch>
+        </p:blipFill>
+        <p:spPr>
+          <a:xfrm>
+            <a:off x="166071" y="1297245"/>
+            <a:ext cx="6169415" cy="4776983"/>
+          </a:xfrm>
+          <a:prstGeom prst="rect">
+            <a:avLst/>
+          </a:prstGeom>
+        </p:spPr>
+      </p:pic>
+      <p:sp>
+        <p:nvSpPr>
+          <p:cNvPr id="22" name="TextBox 21"/>
+          <p:cNvSpPr txBox="1"/>
+          <p:nvPr/>
+        </p:nvSpPr>
+        <p:spPr>
+          <a:xfrm>
+            <a:off x="419878" y="699796"/>
+            <a:ext cx="9918440" cy="338554"/>
+          </a:xfrm>
+          <a:prstGeom prst="rect">
+            <a:avLst/>
+          </a:prstGeom>
+          <a:noFill/>
+        </p:spPr>
+        <p:txBody>
+          <a:bodyPr wrap="square" rtlCol="0">
+            <a:spAutoFit/>
+          </a:bodyPr>
+          <a:lstStyle/>
+          <a:p>
+            <a:pPr marL="285750" indent="-285750">
+              <a:buFont typeface="Arial" panose="020B0604020202020204" pitchFamily="34" charset="0"/>
+              <a:buChar char="•"/>
+            </a:pPr>
+            <a:r>
+              <a:rPr lang="en-US" sz="1600" dirty="0" smtClean="0"/>
+              <a:t>Closure test for QCD samples in Control Region (SR but </a:t>
+            </a:r>
+            <a:r>
+              <a:rPr lang="en-US" sz="1600" dirty="0" err="1" smtClean="0"/>
+              <a:t>btagging</a:t>
+            </a:r>
+            <a:r>
+              <a:rPr lang="en-US" sz="1600" dirty="0" smtClean="0"/>
+              <a:t> is reverted (</a:t>
+            </a:r>
+            <a:r>
+              <a:rPr lang="en-US" sz="1600" dirty="0" err="1" smtClean="0"/>
+              <a:t>btag</a:t>
+            </a:r>
+            <a:r>
+              <a:rPr lang="en-US" sz="1600" dirty="0" smtClean="0"/>
+              <a:t>==0))</a:t>
+            </a:r>
+            <a:endParaRPr lang="en-GB" sz="1600" dirty="0"/>
+          </a:p>
+        </p:txBody>
+      </p:sp>
+      <p:sp>
+        <p:nvSpPr>
+          <p:cNvPr id="23" name="Rectangle 22"/>
+          <p:cNvSpPr/>
+          <p:nvPr/>
+        </p:nvSpPr>
+        <p:spPr>
+          <a:xfrm>
+            <a:off x="4012166" y="1597769"/>
+            <a:ext cx="2169673" cy="919133"/>
+          </a:xfrm>
+          <a:prstGeom prst="rect">
+            <a:avLst/>
+          </a:prstGeom>
+          <a:solidFill>
+            <a:schemeClr val="bg1">
+              <a:alpha val="99000"/>
+            </a:schemeClr>
+          </a:solidFill>
+          <a:ln w="6350">
+            <a:solidFill>
+              <a:schemeClr val="tx1"/>
+            </a:solidFill>
+          </a:ln>
+        </p:spPr>
+        <p:style>
+          <a:lnRef idx="2">
+            <a:schemeClr val="accent1">
+              <a:shade val="50000"/>
+            </a:schemeClr>
+          </a:lnRef>
+          <a:fillRef idx="1">
+            <a:schemeClr val="accent1"/>
+          </a:fillRef>
+          <a:effectRef idx="0">
+            <a:schemeClr val="accent1"/>
+          </a:effectRef>
+          <a:fontRef idx="minor">
+            <a:schemeClr val="lt1"/>
+          </a:fontRef>
+        </p:style>
+        <p:txBody>
+          <a:bodyPr rtlCol="0" anchor="ctr"/>
+          <a:lstStyle/>
+          <a:p>
+            <a:pPr algn="ctr"/>
+            <a:endParaRPr lang="en-GB" dirty="0"/>
+          </a:p>
+        </p:txBody>
+      </p:sp>
+      <p:cxnSp>
+        <p:nvCxnSpPr>
+          <p:cNvPr id="24" name="Straight Connector 23"/>
+          <p:cNvCxnSpPr/>
+          <p:nvPr/>
+        </p:nvCxnSpPr>
+        <p:spPr>
+          <a:xfrm>
+            <a:off x="4189446" y="1800810"/>
+            <a:ext cx="569168" cy="0"/>
+          </a:xfrm>
+          <a:prstGeom prst="line">
+            <a:avLst/>
+          </a:prstGeom>
+          <a:ln>
+            <a:solidFill>
+              <a:srgbClr val="FF0000"/>
+            </a:solidFill>
+          </a:ln>
+        </p:spPr>
+        <p:style>
+          <a:lnRef idx="1">
+            <a:schemeClr val="accent1"/>
+          </a:lnRef>
+          <a:fillRef idx="0">
+            <a:schemeClr val="accent1"/>
+          </a:fillRef>
+          <a:effectRef idx="0">
+            <a:schemeClr val="accent1"/>
+          </a:effectRef>
+          <a:fontRef idx="minor">
+            <a:schemeClr val="tx1"/>
+          </a:fontRef>
+        </p:style>
+      </p:cxnSp>
+      <p:cxnSp>
+        <p:nvCxnSpPr>
+          <p:cNvPr id="25" name="Straight Connector 24"/>
+          <p:cNvCxnSpPr/>
+          <p:nvPr/>
+        </p:nvCxnSpPr>
+        <p:spPr>
+          <a:xfrm>
+            <a:off x="4197221" y="2205137"/>
+            <a:ext cx="569168" cy="0"/>
+          </a:xfrm>
+          <a:prstGeom prst="line">
+            <a:avLst/>
+          </a:prstGeom>
+          <a:ln>
+            <a:solidFill>
+              <a:srgbClr val="0033CC"/>
+            </a:solidFill>
+          </a:ln>
+        </p:spPr>
+        <p:style>
+          <a:lnRef idx="1">
+            <a:schemeClr val="accent1"/>
+          </a:lnRef>
+          <a:fillRef idx="0">
+            <a:schemeClr val="accent1"/>
+          </a:fillRef>
+          <a:effectRef idx="0">
+            <a:schemeClr val="accent1"/>
+          </a:effectRef>
+          <a:fontRef idx="minor">
+            <a:schemeClr val="tx1"/>
+          </a:fontRef>
+        </p:style>
+      </p:cxnSp>
+      <p:sp>
+        <p:nvSpPr>
+          <p:cNvPr id="26" name="TextBox 25"/>
+          <p:cNvSpPr txBox="1"/>
+          <p:nvPr/>
+        </p:nvSpPr>
+        <p:spPr>
+          <a:xfrm>
+            <a:off x="4766389" y="1643196"/>
+            <a:ext cx="1365348" cy="246221"/>
+          </a:xfrm>
+          <a:prstGeom prst="rect">
+            <a:avLst/>
+          </a:prstGeom>
+          <a:noFill/>
+        </p:spPr>
+        <p:txBody>
+          <a:bodyPr wrap="square" rtlCol="0">
+            <a:spAutoFit/>
+          </a:bodyPr>
+          <a:lstStyle/>
+          <a:p>
+            <a:r>
+              <a:rPr lang="en-US" sz="1000" dirty="0" smtClean="0"/>
+              <a:t>Control Region</a:t>
+            </a:r>
+            <a:endParaRPr lang="en-GB" sz="1000" dirty="0"/>
+          </a:p>
+        </p:txBody>
+      </p:sp>
+      <p:sp>
+        <p:nvSpPr>
+          <p:cNvPr id="27" name="TextBox 26"/>
+          <p:cNvSpPr txBox="1"/>
+          <p:nvPr/>
+        </p:nvSpPr>
+        <p:spPr>
+          <a:xfrm>
+            <a:off x="4766389" y="2057334"/>
+            <a:ext cx="1195874" cy="246221"/>
+          </a:xfrm>
+          <a:prstGeom prst="rect">
+            <a:avLst/>
+          </a:prstGeom>
+          <a:noFill/>
+        </p:spPr>
+        <p:txBody>
+          <a:bodyPr wrap="square" rtlCol="0">
+            <a:spAutoFit/>
+          </a:bodyPr>
+          <a:lstStyle/>
+          <a:p>
+            <a:r>
+              <a:rPr lang="en-US" sz="1000" dirty="0" smtClean="0"/>
+              <a:t>Signal Region </a:t>
+            </a:r>
+            <a:endParaRPr lang="en-GB" sz="1000" dirty="0"/>
+          </a:p>
+        </p:txBody>
+      </p:sp>
+      <p:sp>
+        <p:nvSpPr>
+          <p:cNvPr id="28" name="Rectangle 27"/>
+          <p:cNvSpPr/>
+          <p:nvPr/>
+        </p:nvSpPr>
+        <p:spPr>
+          <a:xfrm>
+            <a:off x="9706949" y="1597769"/>
+            <a:ext cx="2169673" cy="919133"/>
+          </a:xfrm>
+          <a:prstGeom prst="rect">
+            <a:avLst/>
+          </a:prstGeom>
+          <a:solidFill>
+            <a:schemeClr val="bg1">
+              <a:alpha val="99000"/>
+            </a:schemeClr>
+          </a:solidFill>
+          <a:ln w="6350">
+            <a:solidFill>
+              <a:schemeClr val="tx1"/>
+            </a:solidFill>
+          </a:ln>
+        </p:spPr>
+        <p:style>
+          <a:lnRef idx="2">
+            <a:schemeClr val="accent1">
+              <a:shade val="50000"/>
+            </a:schemeClr>
+          </a:lnRef>
+          <a:fillRef idx="1">
+            <a:schemeClr val="accent1"/>
+          </a:fillRef>
+          <a:effectRef idx="0">
+            <a:schemeClr val="accent1"/>
+          </a:effectRef>
+          <a:fontRef idx="minor">
+            <a:schemeClr val="lt1"/>
+          </a:fontRef>
+        </p:style>
+        <p:txBody>
+          <a:bodyPr rtlCol="0" anchor="ctr"/>
+          <a:lstStyle/>
+          <a:p>
+            <a:pPr algn="ctr"/>
+            <a:endParaRPr lang="en-GB" dirty="0"/>
+          </a:p>
+        </p:txBody>
+      </p:sp>
+      <p:cxnSp>
+        <p:nvCxnSpPr>
+          <p:cNvPr id="29" name="Straight Connector 28"/>
+          <p:cNvCxnSpPr/>
+          <p:nvPr/>
+        </p:nvCxnSpPr>
+        <p:spPr>
+          <a:xfrm>
+            <a:off x="9884229" y="1800810"/>
+            <a:ext cx="569168" cy="0"/>
+          </a:xfrm>
+          <a:prstGeom prst="line">
+            <a:avLst/>
+          </a:prstGeom>
+          <a:ln>
+            <a:solidFill>
+              <a:srgbClr val="FF0000"/>
+            </a:solidFill>
+          </a:ln>
+        </p:spPr>
+        <p:style>
+          <a:lnRef idx="1">
+            <a:schemeClr val="accent1"/>
+          </a:lnRef>
+          <a:fillRef idx="0">
+            <a:schemeClr val="accent1"/>
+          </a:fillRef>
+          <a:effectRef idx="0">
+            <a:schemeClr val="accent1"/>
+          </a:effectRef>
+          <a:fontRef idx="minor">
+            <a:schemeClr val="tx1"/>
+          </a:fontRef>
+        </p:style>
+      </p:cxnSp>
+      <p:cxnSp>
+        <p:nvCxnSpPr>
+          <p:cNvPr id="30" name="Straight Connector 29"/>
+          <p:cNvCxnSpPr/>
+          <p:nvPr/>
+        </p:nvCxnSpPr>
+        <p:spPr>
+          <a:xfrm>
+            <a:off x="9892004" y="2205137"/>
+            <a:ext cx="569168" cy="0"/>
+          </a:xfrm>
+          <a:prstGeom prst="line">
+            <a:avLst/>
+          </a:prstGeom>
+          <a:ln>
+            <a:solidFill>
+              <a:srgbClr val="0033CC"/>
+            </a:solidFill>
+          </a:ln>
+        </p:spPr>
+        <p:style>
+          <a:lnRef idx="1">
+            <a:schemeClr val="accent1"/>
+          </a:lnRef>
+          <a:fillRef idx="0">
+            <a:schemeClr val="accent1"/>
+          </a:fillRef>
+          <a:effectRef idx="0">
+            <a:schemeClr val="accent1"/>
+          </a:effectRef>
+          <a:fontRef idx="minor">
+            <a:schemeClr val="tx1"/>
+          </a:fontRef>
+        </p:style>
+      </p:cxnSp>
+      <p:sp>
+        <p:nvSpPr>
+          <p:cNvPr id="31" name="TextBox 30"/>
+          <p:cNvSpPr txBox="1"/>
+          <p:nvPr/>
+        </p:nvSpPr>
+        <p:spPr>
+          <a:xfrm>
+            <a:off x="10461172" y="1643196"/>
+            <a:ext cx="1365348" cy="246221"/>
+          </a:xfrm>
+          <a:prstGeom prst="rect">
+            <a:avLst/>
+          </a:prstGeom>
+          <a:noFill/>
+        </p:spPr>
+        <p:txBody>
+          <a:bodyPr wrap="square" rtlCol="0">
+            <a:spAutoFit/>
+          </a:bodyPr>
+          <a:lstStyle/>
+          <a:p>
+            <a:r>
+              <a:rPr lang="en-US" sz="1000" dirty="0" smtClean="0"/>
+              <a:t>Control Region</a:t>
+            </a:r>
+            <a:endParaRPr lang="en-GB" sz="1000" dirty="0"/>
+          </a:p>
+        </p:txBody>
+      </p:sp>
+      <p:sp>
+        <p:nvSpPr>
+          <p:cNvPr id="32" name="TextBox 31"/>
+          <p:cNvSpPr txBox="1"/>
+          <p:nvPr/>
+        </p:nvSpPr>
+        <p:spPr>
+          <a:xfrm>
+            <a:off x="10461172" y="2057334"/>
+            <a:ext cx="1195874" cy="246221"/>
+          </a:xfrm>
+          <a:prstGeom prst="rect">
+            <a:avLst/>
+          </a:prstGeom>
+          <a:noFill/>
+        </p:spPr>
+        <p:txBody>
+          <a:bodyPr wrap="square" rtlCol="0">
+            <a:spAutoFit/>
+          </a:bodyPr>
+          <a:lstStyle/>
+          <a:p>
+            <a:r>
+              <a:rPr lang="en-US" sz="1000" dirty="0" smtClean="0"/>
+              <a:t>Signal Region </a:t>
+            </a:r>
+            <a:endParaRPr lang="en-GB" sz="1000" dirty="0"/>
+          </a:p>
+        </p:txBody>
+      </p:sp>
+    </p:spTree>
+    <p:extLst>
+      <p:ext uri="{BB962C8B-B14F-4D97-AF65-F5344CB8AC3E}">
+        <p14:creationId xmlns:p14="http://schemas.microsoft.com/office/powerpoint/2010/main" val="4249468373"/>
+      </p:ext>
+    </p:extLst>
+  </p:cSld>
+  <p:clrMapOvr>
+    <a:masterClrMapping/>
+  </p:clrMapOvr>
+</p:sld>
+</file>
+
+<file path=ppt/slides/slide15.xml><?xml version="1.0" encoding="utf-8"?>
+<p:sld xmlns:a="http://schemas.openxmlformats.org/drawingml/2006/main" xmlns:r="http://schemas.openxmlformats.org/officeDocument/2006/relationships" xmlns:p="http://schemas.openxmlformats.org/presentationml/2006/main">
+  <p:cSld>
+    <p:spTree>
+      <p:nvGrpSpPr>
+        <p:cNvPr id="1" name=""/>
+        <p:cNvGrpSpPr/>
+        <p:nvPr/>
+      </p:nvGrpSpPr>
+      <p:grpSpPr>
+        <a:xfrm>
+          <a:off x="0" y="0"/>
+          <a:ext cx="0" cy="0"/>
+          <a:chOff x="0" y="0"/>
+          <a:chExt cx="0" cy="0"/>
+        </a:xfrm>
+      </p:grpSpPr>
+      <p:sp>
+        <p:nvSpPr>
+          <p:cNvPr id="2" name="Date Placeholder 1"/>
+          <p:cNvSpPr>
+            <a:spLocks noGrp="1"/>
+          </p:cNvSpPr>
+          <p:nvPr>
+            <p:ph type="dt" sz="half" idx="10"/>
+          </p:nvPr>
+        </p:nvSpPr>
+        <p:spPr/>
+        <p:txBody>
+          <a:bodyPr/>
+          <a:lstStyle/>
+          <a:p>
+            <a:fld id="{482AA653-8872-4AEA-B19D-0BF0F1064A5A}" type="datetime3">
+              <a:rPr lang="en-US" smtClean="0"/>
+              <a:t>4 June 2019</a:t>
+            </a:fld>
+            <a:endParaRPr lang="en-US"/>
+          </a:p>
+        </p:txBody>
+      </p:sp>
+      <p:sp>
+        <p:nvSpPr>
+          <p:cNvPr id="3" name="Footer Placeholder 2"/>
+          <p:cNvSpPr>
+            <a:spLocks noGrp="1"/>
+          </p:cNvSpPr>
+          <p:nvPr>
+            <p:ph type="ftr" sz="quarter" idx="11"/>
+          </p:nvPr>
+        </p:nvSpPr>
+        <p:spPr/>
+        <p:txBody>
+          <a:bodyPr/>
+          <a:lstStyle/>
+          <a:p>
+            <a:r>
+              <a:rPr lang="fi-FI"/>
+              <a:t>NTUA, G. Bakas</a:t>
+            </a:r>
+            <a:endParaRPr lang="en-US"/>
+          </a:p>
+        </p:txBody>
+      </p:sp>
+      <p:sp>
+        <p:nvSpPr>
+          <p:cNvPr id="6" name="Slide Number Placeholder 5"/>
+          <p:cNvSpPr>
+            <a:spLocks noGrp="1"/>
+          </p:cNvSpPr>
+          <p:nvPr>
+            <p:ph type="sldNum" sz="quarter" idx="12"/>
+          </p:nvPr>
+        </p:nvSpPr>
+        <p:spPr/>
+        <p:txBody>
+          <a:bodyPr/>
+          <a:lstStyle/>
+          <a:p>
+            <a:fld id="{AEEFAC8D-0A19-DC49-9F7A-4BFCAD95B105}" type="slidenum">
+              <a:rPr lang="en-US" smtClean="0"/>
+              <a:t>15</a:t>
+            </a:fld>
+            <a:endParaRPr lang="en-US"/>
+          </a:p>
+        </p:txBody>
+      </p:sp>
+      <p:sp>
+        <p:nvSpPr>
+          <p:cNvPr id="4" name="TextBox 3"/>
+          <p:cNvSpPr txBox="1"/>
+          <p:nvPr/>
+        </p:nvSpPr>
+        <p:spPr>
+          <a:xfrm>
+            <a:off x="326571" y="158620"/>
+            <a:ext cx="7791062" cy="369332"/>
+          </a:xfrm>
+          <a:prstGeom prst="rect">
+            <a:avLst/>
+          </a:prstGeom>
+          <a:noFill/>
+        </p:spPr>
+        <p:txBody>
+          <a:bodyPr wrap="square" rtlCol="0">
+            <a:spAutoFit/>
+          </a:bodyPr>
+          <a:lstStyle/>
+          <a:p>
+            <a:r>
+              <a:rPr lang="en-US" u="sng" dirty="0" smtClean="0"/>
+              <a:t>Control Region Contamination</a:t>
+            </a:r>
+            <a:endParaRPr lang="en-GB" u="sng" dirty="0"/>
+          </a:p>
+        </p:txBody>
+      </p:sp>
+      <p:sp>
+        <p:nvSpPr>
+          <p:cNvPr id="22" name="TextBox 21"/>
+          <p:cNvSpPr txBox="1"/>
+          <p:nvPr/>
+        </p:nvSpPr>
+        <p:spPr>
+          <a:xfrm>
+            <a:off x="419878" y="699796"/>
+            <a:ext cx="9918440" cy="338554"/>
+          </a:xfrm>
+          <a:prstGeom prst="rect">
+            <a:avLst/>
+          </a:prstGeom>
+          <a:noFill/>
+        </p:spPr>
+        <p:txBody>
+          <a:bodyPr wrap="square" rtlCol="0">
+            <a:spAutoFit/>
+          </a:bodyPr>
+          <a:lstStyle/>
+          <a:p>
+            <a:pPr marL="285750" indent="-285750">
+              <a:buFont typeface="Arial" panose="020B0604020202020204" pitchFamily="34" charset="0"/>
+              <a:buChar char="•"/>
+            </a:pPr>
+            <a:r>
+              <a:rPr lang="en-US" sz="1600" dirty="0" smtClean="0"/>
+              <a:t>Expected yield from MC samples and TT sample in the CR </a:t>
+            </a:r>
+            <a:endParaRPr lang="en-GB" sz="1600" dirty="0"/>
+          </a:p>
+        </p:txBody>
+      </p:sp>
+      <p:pic>
+        <p:nvPicPr>
+          <p:cNvPr id="7" name="Picture 6"/>
+          <p:cNvPicPr>
+            <a:picLocks noChangeAspect="1"/>
+          </p:cNvPicPr>
+          <p:nvPr/>
+        </p:nvPicPr>
+        <p:blipFill>
+          <a:blip r:embed="rId3">
+            <a:extLst>
+              <a:ext uri="{28A0092B-C50C-407E-A947-70E740481C1C}">
+                <a14:useLocalDpi xmlns:a14="http://schemas.microsoft.com/office/drawing/2010/main" val="0"/>
+              </a:ext>
+            </a:extLst>
+          </a:blip>
+          <a:stretch>
+            <a:fillRect/>
+          </a:stretch>
+        </p:blipFill>
+        <p:spPr>
+          <a:xfrm>
+            <a:off x="6366894" y="1038350"/>
+            <a:ext cx="5651183" cy="4911037"/>
+          </a:xfrm>
+          <a:prstGeom prst="rect">
+            <a:avLst/>
+          </a:prstGeom>
+        </p:spPr>
+      </p:pic>
+      <p:pic>
+        <p:nvPicPr>
+          <p:cNvPr id="8" name="Picture 7"/>
+          <p:cNvPicPr>
+            <a:picLocks noChangeAspect="1"/>
+          </p:cNvPicPr>
+          <p:nvPr/>
+        </p:nvPicPr>
+        <p:blipFill>
+          <a:blip r:embed="rId4">
+            <a:extLst>
+              <a:ext uri="{28A0092B-C50C-407E-A947-70E740481C1C}">
+                <a14:useLocalDpi xmlns:a14="http://schemas.microsoft.com/office/drawing/2010/main" val="0"/>
+              </a:ext>
+            </a:extLst>
+          </a:blip>
+          <a:stretch>
+            <a:fillRect/>
+          </a:stretch>
+        </p:blipFill>
+        <p:spPr>
+          <a:xfrm>
+            <a:off x="200302" y="1038350"/>
+            <a:ext cx="5651183" cy="4911037"/>
+          </a:xfrm>
+          <a:prstGeom prst="rect">
+            <a:avLst/>
+          </a:prstGeom>
+        </p:spPr>
+      </p:pic>
+      <p:sp>
+        <p:nvSpPr>
+          <p:cNvPr id="10" name="Rectangle 9"/>
+          <p:cNvSpPr/>
+          <p:nvPr/>
+        </p:nvSpPr>
+        <p:spPr>
+          <a:xfrm>
+            <a:off x="7361853" y="1038350"/>
+            <a:ext cx="3638939" cy="363894"/>
+          </a:xfrm>
+          <a:prstGeom prst="rect">
+            <a:avLst/>
+          </a:prstGeom>
+          <a:solidFill>
+            <a:schemeClr val="bg1"/>
+          </a:solidFill>
+          <a:ln>
+            <a:solidFill>
+              <a:schemeClr val="bg1"/>
+            </a:solidFill>
+          </a:ln>
+        </p:spPr>
+        <p:style>
+          <a:lnRef idx="2">
+            <a:schemeClr val="accent1">
+              <a:shade val="50000"/>
+            </a:schemeClr>
+          </a:lnRef>
+          <a:fillRef idx="1">
+            <a:schemeClr val="accent1"/>
+          </a:fillRef>
+          <a:effectRef idx="0">
+            <a:schemeClr val="accent1"/>
+          </a:effectRef>
+          <a:fontRef idx="minor">
+            <a:schemeClr val="lt1"/>
+          </a:fontRef>
+        </p:style>
+        <p:txBody>
+          <a:bodyPr rtlCol="0" anchor="ctr"/>
+          <a:lstStyle/>
+          <a:p>
+            <a:pPr algn="ctr"/>
+            <a:endParaRPr lang="en-GB"/>
+          </a:p>
+        </p:txBody>
+      </p:sp>
+    </p:spTree>
+    <p:extLst>
+      <p:ext uri="{BB962C8B-B14F-4D97-AF65-F5344CB8AC3E}">
+        <p14:creationId xmlns:p14="http://schemas.microsoft.com/office/powerpoint/2010/main" val="1274396531"/>
       </p:ext>
     </p:extLst>
   </p:cSld>
@@ -7000,7 +8040,7 @@
           <a:p>
             <a:fld id="{7E37C362-8B6B-44E6-96A6-D3578FE67DFA}" type="datetime3">
               <a:rPr lang="en-US" smtClean="0"/>
-              <a:t>29 May 2019</a:t>
+              <a:t>4 June 2019</a:t>
             </a:fld>
             <a:endParaRPr lang="en-US"/>
           </a:p>
@@ -7029,8 +8069,8 @@
           </a:p>
         </p:txBody>
       </p:sp>
-      <mc:AlternateContent xmlns:mc="http://schemas.openxmlformats.org/markup-compatibility/2006">
-        <mc:Choice xmlns:a14="http://schemas.microsoft.com/office/drawing/2010/main" Requires="a14">
+      <mc:AlternateContent xmlns:mc="http://schemas.openxmlformats.org/markup-compatibility/2006" xmlns:a14="http://schemas.microsoft.com/office/drawing/2010/main">
+        <mc:Choice Requires="a14">
           <p:sp>
             <p:nvSpPr>
               <p:cNvPr id="4" name="TextBox 3"/>
@@ -7363,16 +8403,7 @@
                                 </a:solidFill>
                                 <a:latin typeface="Cambria Math" panose="02040503050406030204" pitchFamily="18" charset="0"/>
                               </a:rPr>
-                              <m:t>|</m:t>
-                            </m:r>
-                            <m:r>
-                              <a:rPr lang="en-US" sz="1600" b="0" i="1" smtClean="0">
-                                <a:solidFill>
-                                  <a:srgbClr val="FF0000"/>
-                                </a:solidFill>
-                                <a:latin typeface="Cambria Math" panose="02040503050406030204" pitchFamily="18" charset="0"/>
-                              </a:rPr>
-                              <m:t>2</m:t>
+                              <m:t>|2</m:t>
                             </m:r>
                             <m:r>
                               <a:rPr lang="en-US" sz="1600" b="0" i="1" smtClean="0">
@@ -7575,11 +8606,7 @@
                 </a:r>
                 <a:r>
                   <a:rPr lang="en-US" sz="1600" dirty="0" smtClean="0"/>
-                  <a:t>0.5</a:t>
-                </a:r>
-                <a:r>
-                  <a:rPr lang="en-US" sz="1600" dirty="0" smtClean="0"/>
-                  <a:t>(y</a:t>
+                  <a:t>0.5(y</a:t>
                 </a:r>
                 <a:r>
                   <a:rPr lang="en-US" sz="1600" baseline="-25000" dirty="0" smtClean="0"/>
@@ -8011,7 +9038,7 @@
             </p:txBody>
           </p:sp>
         </mc:Choice>
-        <mc:Fallback>
+        <mc:Fallback xmlns="">
           <p:sp>
             <p:nvSpPr>
               <p:cNvPr id="4" name="TextBox 3"/>
@@ -8150,7 +9177,7 @@
           <a:p>
             <a:fld id="{482AA653-8872-4AEA-B19D-0BF0F1064A5A}" type="datetime3">
               <a:rPr lang="en-US" smtClean="0"/>
-              <a:t>29 May 2019</a:t>
+              <a:t>4 June 2019</a:t>
             </a:fld>
             <a:endParaRPr lang="en-US"/>
           </a:p>
@@ -8594,7 +9621,7 @@
           <a:p>
             <a:fld id="{482AA653-8872-4AEA-B19D-0BF0F1064A5A}" type="datetime3">
               <a:rPr lang="en-US" smtClean="0"/>
-              <a:t>29 May 2019</a:t>
+              <a:t>4 June 2019</a:t>
             </a:fld>
             <a:endParaRPr lang="en-US"/>
           </a:p>
@@ -8757,7 +9784,7 @@
           <a:p>
             <a:fld id="{482AA653-8872-4AEA-B19D-0BF0F1064A5A}" type="datetime3">
               <a:rPr lang="en-US" smtClean="0"/>
-              <a:t>29 May 2019</a:t>
+              <a:t>4 June 2019</a:t>
             </a:fld>
             <a:endParaRPr lang="en-US"/>
           </a:p>
@@ -8915,7 +9942,7 @@
           <a:p>
             <a:fld id="{482AA653-8872-4AEA-B19D-0BF0F1064A5A}" type="datetime3">
               <a:rPr lang="en-US" smtClean="0"/>
-              <a:t>29 May 2019</a:t>
+              <a:t>4 June 2019</a:t>
             </a:fld>
             <a:endParaRPr lang="en-US"/>
           </a:p>
@@ -9073,7 +10100,7 @@
           <a:p>
             <a:fld id="{482AA653-8872-4AEA-B19D-0BF0F1064A5A}" type="datetime3">
               <a:rPr lang="en-US" smtClean="0"/>
-              <a:t>29 May 2019</a:t>
+              <a:t>4 June 2019</a:t>
             </a:fld>
             <a:endParaRPr lang="en-US"/>
           </a:p>
@@ -9328,7 +10355,7 @@
           <a:p>
             <a:fld id="{482AA653-8872-4AEA-B19D-0BF0F1064A5A}" type="datetime3">
               <a:rPr lang="en-US" smtClean="0"/>
-              <a:t>29 May 2019</a:t>
+              <a:t>4 June 2019</a:t>
             </a:fld>
             <a:endParaRPr lang="en-US"/>
           </a:p>
@@ -9583,7 +10610,7 @@
           <a:p>
             <a:fld id="{482AA653-8872-4AEA-B19D-0BF0F1064A5A}" type="datetime3">
               <a:rPr lang="en-US" smtClean="0"/>
-              <a:t>29 May 2019</a:t>
+              <a:t>4 June 2019</a:t>
             </a:fld>
             <a:endParaRPr lang="en-US"/>
           </a:p>

--- a/Documents for Progress/Status_Angular_Distributions_Presentation_29May2019.pptx
+++ b/Documents for Progress/Status_Angular_Distributions_Presentation_29May2019.pptx
@@ -9707,36 +9707,6 @@
           </a:p>
         </p:txBody>
       </p:sp>
-      <p:pic>
-        <p:nvPicPr>
-          <p:cNvPr id="7" name="Picture 6"/>
-          <p:cNvPicPr>
-            <a:picLocks noChangeAspect="1"/>
-          </p:cNvPicPr>
-          <p:nvPr/>
-        </p:nvPicPr>
-        <p:blipFill>
-          <a:blip r:embed="rId3">
-            <a:extLst>
-              <a:ext uri="{28A0092B-C50C-407E-A947-70E740481C1C}">
-                <a14:useLocalDpi xmlns:a14="http://schemas.microsoft.com/office/drawing/2010/main" val="0"/>
-              </a:ext>
-            </a:extLst>
-          </a:blip>
-          <a:stretch>
-            <a:fillRect/>
-          </a:stretch>
-        </p:blipFill>
-        <p:spPr>
-          <a:xfrm>
-            <a:off x="1819275" y="700087"/>
-            <a:ext cx="8553450" cy="5457825"/>
-          </a:xfrm>
-          <a:prstGeom prst="rect">
-            <a:avLst/>
-          </a:prstGeom>
-        </p:spPr>
-      </p:pic>
     </p:spTree>
     <p:extLst>
       <p:ext uri="{BB962C8B-B14F-4D97-AF65-F5344CB8AC3E}">
@@ -9865,36 +9835,6 @@
           </a:p>
         </p:txBody>
       </p:sp>
-      <p:pic>
-        <p:nvPicPr>
-          <p:cNvPr id="4" name="Picture 3"/>
-          <p:cNvPicPr>
-            <a:picLocks noChangeAspect="1"/>
-          </p:cNvPicPr>
-          <p:nvPr/>
-        </p:nvPicPr>
-        <p:blipFill>
-          <a:blip r:embed="rId3">
-            <a:extLst>
-              <a:ext uri="{28A0092B-C50C-407E-A947-70E740481C1C}">
-                <a14:useLocalDpi xmlns:a14="http://schemas.microsoft.com/office/drawing/2010/main" val="0"/>
-              </a:ext>
-            </a:extLst>
-          </a:blip>
-          <a:stretch>
-            <a:fillRect/>
-          </a:stretch>
-        </p:blipFill>
-        <p:spPr>
-          <a:xfrm>
-            <a:off x="1819275" y="700087"/>
-            <a:ext cx="8553450" cy="5457825"/>
-          </a:xfrm>
-          <a:prstGeom prst="rect">
-            <a:avLst/>
-          </a:prstGeom>
-        </p:spPr>
-      </p:pic>
     </p:spTree>
     <p:extLst>
       <p:ext uri="{BB962C8B-B14F-4D97-AF65-F5344CB8AC3E}">
@@ -10154,66 +10094,6 @@
       </p:sp>
       <p:pic>
         <p:nvPicPr>
-          <p:cNvPr id="12" name="Picture 11"/>
-          <p:cNvPicPr>
-            <a:picLocks noChangeAspect="1"/>
-          </p:cNvPicPr>
-          <p:nvPr/>
-        </p:nvPicPr>
-        <p:blipFill>
-          <a:blip r:embed="rId3">
-            <a:extLst>
-              <a:ext uri="{28A0092B-C50C-407E-A947-70E740481C1C}">
-                <a14:useLocalDpi xmlns:a14="http://schemas.microsoft.com/office/drawing/2010/main" val="0"/>
-              </a:ext>
-            </a:extLst>
-          </a:blip>
-          <a:stretch>
-            <a:fillRect/>
-          </a:stretch>
-        </p:blipFill>
-        <p:spPr>
-          <a:xfrm>
-            <a:off x="0" y="811762"/>
-            <a:ext cx="5559743" cy="4462278"/>
-          </a:xfrm>
-          <a:prstGeom prst="rect">
-            <a:avLst/>
-          </a:prstGeom>
-        </p:spPr>
-      </p:pic>
-      <p:pic>
-        <p:nvPicPr>
-          <p:cNvPr id="13" name="Picture 12"/>
-          <p:cNvPicPr>
-            <a:picLocks noChangeAspect="1"/>
-          </p:cNvPicPr>
-          <p:nvPr/>
-        </p:nvPicPr>
-        <p:blipFill>
-          <a:blip r:embed="rId4">
-            <a:extLst>
-              <a:ext uri="{28A0092B-C50C-407E-A947-70E740481C1C}">
-                <a14:useLocalDpi xmlns:a14="http://schemas.microsoft.com/office/drawing/2010/main" val="0"/>
-              </a:ext>
-            </a:extLst>
-          </a:blip>
-          <a:stretch>
-            <a:fillRect/>
-          </a:stretch>
-        </p:blipFill>
-        <p:spPr>
-          <a:xfrm>
-            <a:off x="6316632" y="746448"/>
-            <a:ext cx="5559743" cy="4527592"/>
-          </a:xfrm>
-          <a:prstGeom prst="rect">
-            <a:avLst/>
-          </a:prstGeom>
-        </p:spPr>
-      </p:pic>
-      <p:pic>
-        <p:nvPicPr>
           <p:cNvPr id="14" name="Picture 13"/>
           <p:cNvPicPr>
             <a:picLocks noChangeAspect="1"/>
@@ -10221,7 +10101,7 @@
           <p:nvPr/>
         </p:nvPicPr>
         <p:blipFill>
-          <a:blip r:embed="rId5"/>
+          <a:blip r:embed="rId3"/>
           <a:stretch>
             <a:fillRect/>
           </a:stretch>
@@ -10245,7 +10125,7 @@
           <p:nvPr/>
         </p:nvPicPr>
         <p:blipFill>
-          <a:blip r:embed="rId5"/>
+          <a:blip r:embed="rId3"/>
           <a:stretch>
             <a:fillRect/>
           </a:stretch>
@@ -10269,7 +10149,7 @@
           <p:nvPr/>
         </p:nvPicPr>
         <p:blipFill>
-          <a:blip r:embed="rId6"/>
+          <a:blip r:embed="rId4"/>
           <a:stretch>
             <a:fillRect/>
           </a:stretch>
@@ -10293,7 +10173,7 @@
           <p:nvPr/>
         </p:nvPicPr>
         <p:blipFill>
-          <a:blip r:embed="rId6"/>
+          <a:blip r:embed="rId4"/>
           <a:stretch>
             <a:fillRect/>
           </a:stretch>
@@ -10409,66 +10289,6 @@
       </p:sp>
       <p:pic>
         <p:nvPicPr>
-          <p:cNvPr id="4" name="Picture 3"/>
-          <p:cNvPicPr>
-            <a:picLocks noChangeAspect="1"/>
-          </p:cNvPicPr>
-          <p:nvPr/>
-        </p:nvPicPr>
-        <p:blipFill>
-          <a:blip r:embed="rId3">
-            <a:extLst>
-              <a:ext uri="{28A0092B-C50C-407E-A947-70E740481C1C}">
-                <a14:useLocalDpi xmlns:a14="http://schemas.microsoft.com/office/drawing/2010/main" val="0"/>
-              </a:ext>
-            </a:extLst>
-          </a:blip>
-          <a:stretch>
-            <a:fillRect/>
-          </a:stretch>
-        </p:blipFill>
-        <p:spPr>
-          <a:xfrm>
-            <a:off x="0" y="868038"/>
-            <a:ext cx="5962261" cy="4529995"/>
-          </a:xfrm>
-          <a:prstGeom prst="rect">
-            <a:avLst/>
-          </a:prstGeom>
-        </p:spPr>
-      </p:pic>
-      <p:pic>
-        <p:nvPicPr>
-          <p:cNvPr id="5" name="Picture 4"/>
-          <p:cNvPicPr>
-            <a:picLocks noChangeAspect="1"/>
-          </p:cNvPicPr>
-          <p:nvPr/>
-        </p:nvPicPr>
-        <p:blipFill>
-          <a:blip r:embed="rId4">
-            <a:extLst>
-              <a:ext uri="{28A0092B-C50C-407E-A947-70E740481C1C}">
-                <a14:useLocalDpi xmlns:a14="http://schemas.microsoft.com/office/drawing/2010/main" val="0"/>
-              </a:ext>
-            </a:extLst>
-          </a:blip>
-          <a:stretch>
-            <a:fillRect/>
-          </a:stretch>
-        </p:blipFill>
-        <p:spPr>
-          <a:xfrm>
-            <a:off x="6223518" y="868037"/>
-            <a:ext cx="5968482" cy="4529995"/>
-          </a:xfrm>
-          <a:prstGeom prst="rect">
-            <a:avLst/>
-          </a:prstGeom>
-        </p:spPr>
-      </p:pic>
-      <p:pic>
-        <p:nvPicPr>
           <p:cNvPr id="7" name="Picture 6"/>
           <p:cNvPicPr>
             <a:picLocks noChangeAspect="1"/>
@@ -10476,7 +10296,7 @@
           <p:nvPr/>
         </p:nvPicPr>
         <p:blipFill>
-          <a:blip r:embed="rId5"/>
+          <a:blip r:embed="rId3"/>
           <a:stretch>
             <a:fillRect/>
           </a:stretch>
@@ -10500,7 +10320,7 @@
           <p:nvPr/>
         </p:nvPicPr>
         <p:blipFill>
-          <a:blip r:embed="rId5"/>
+          <a:blip r:embed="rId3"/>
           <a:stretch>
             <a:fillRect/>
           </a:stretch>
@@ -10524,7 +10344,7 @@
           <p:nvPr/>
         </p:nvPicPr>
         <p:blipFill>
-          <a:blip r:embed="rId6"/>
+          <a:blip r:embed="rId4"/>
           <a:stretch>
             <a:fillRect/>
           </a:stretch>
@@ -10548,7 +10368,7 @@
           <p:nvPr/>
         </p:nvPicPr>
         <p:blipFill>
-          <a:blip r:embed="rId6"/>
+          <a:blip r:embed="rId4"/>
           <a:stretch>
             <a:fillRect/>
           </a:stretch>
@@ -10664,36 +10484,6 @@
       </p:sp>
       <p:pic>
         <p:nvPicPr>
-          <p:cNvPr id="7" name="Picture 6"/>
-          <p:cNvPicPr>
-            <a:picLocks noChangeAspect="1"/>
-          </p:cNvPicPr>
-          <p:nvPr/>
-        </p:nvPicPr>
-        <p:blipFill>
-          <a:blip r:embed="rId3">
-            <a:extLst>
-              <a:ext uri="{28A0092B-C50C-407E-A947-70E740481C1C}">
-                <a14:useLocalDpi xmlns:a14="http://schemas.microsoft.com/office/drawing/2010/main" val="0"/>
-              </a:ext>
-            </a:extLst>
-          </a:blip>
-          <a:stretch>
-            <a:fillRect/>
-          </a:stretch>
-        </p:blipFill>
-        <p:spPr>
-          <a:xfrm>
-            <a:off x="1819275" y="700087"/>
-            <a:ext cx="8553450" cy="5457825"/>
-          </a:xfrm>
-          <a:prstGeom prst="rect">
-            <a:avLst/>
-          </a:prstGeom>
-        </p:spPr>
-      </p:pic>
-      <p:pic>
-        <p:nvPicPr>
           <p:cNvPr id="8" name="Picture 7"/>
           <p:cNvPicPr>
             <a:picLocks noChangeAspect="1"/>
@@ -10701,7 +10491,7 @@
           <p:nvPr/>
         </p:nvPicPr>
         <p:blipFill>
-          <a:blip r:embed="rId4"/>
+          <a:blip r:embed="rId3"/>
           <a:stretch>
             <a:fillRect/>
           </a:stretch>
@@ -10725,7 +10515,7 @@
           <p:nvPr/>
         </p:nvPicPr>
         <p:blipFill>
-          <a:blip r:embed="rId5"/>
+          <a:blip r:embed="rId4"/>
           <a:stretch>
             <a:fillRect/>
           </a:stretch>
